--- a/Mérföldkő jelentések/M3/harmadik_merfoldko_prezentacio.pptx
+++ b/Mérföldkő jelentések/M3/harmadik_merfoldko_prezentacio.pptx
@@ -12,6 +12,7 @@
     <p:sldId id="261" r:id="rId6"/>
     <p:sldId id="259" r:id="rId7"/>
     <p:sldId id="262" r:id="rId8"/>
+    <p:sldId id="263" r:id="rId9"/>
   </p:sldIdLst>
   <p:sldSz cx="9144000" cy="6858000" type="screen4x3"/>
   <p:notesSz cx="6858000" cy="9144000"/>
@@ -308,7 +309,7 @@
           <a:p>
             <a:fld id="{5BCAD085-E8A6-8845-BD4E-CB4CCA059FC4}" type="datetimeFigureOut">
               <a:rPr lang="en-US" smtClean="0"/>
-              <a:t>11/15/2024</a:t>
+              <a:t>11/22/2024</a:t>
             </a:fld>
             <a:endParaRPr lang="en-US"/>
           </a:p>
@@ -476,7 +477,7 @@
           <a:p>
             <a:fld id="{5BCAD085-E8A6-8845-BD4E-CB4CCA059FC4}" type="datetimeFigureOut">
               <a:rPr lang="en-US" smtClean="0"/>
-              <a:t>11/15/2024</a:t>
+              <a:t>11/22/2024</a:t>
             </a:fld>
             <a:endParaRPr lang="en-US"/>
           </a:p>
@@ -654,7 +655,7 @@
           <a:p>
             <a:fld id="{5BCAD085-E8A6-8845-BD4E-CB4CCA059FC4}" type="datetimeFigureOut">
               <a:rPr lang="en-US" smtClean="0"/>
-              <a:t>11/15/2024</a:t>
+              <a:t>11/22/2024</a:t>
             </a:fld>
             <a:endParaRPr lang="en-US"/>
           </a:p>
@@ -822,7 +823,7 @@
           <a:p>
             <a:fld id="{5BCAD085-E8A6-8845-BD4E-CB4CCA059FC4}" type="datetimeFigureOut">
               <a:rPr lang="en-US" smtClean="0"/>
-              <a:t>11/15/2024</a:t>
+              <a:t>11/22/2024</a:t>
             </a:fld>
             <a:endParaRPr lang="en-US"/>
           </a:p>
@@ -1067,7 +1068,7 @@
           <a:p>
             <a:fld id="{5BCAD085-E8A6-8845-BD4E-CB4CCA059FC4}" type="datetimeFigureOut">
               <a:rPr lang="en-US" smtClean="0"/>
-              <a:t>11/15/2024</a:t>
+              <a:t>11/22/2024</a:t>
             </a:fld>
             <a:endParaRPr lang="en-US"/>
           </a:p>
@@ -1352,7 +1353,7 @@
           <a:p>
             <a:fld id="{5BCAD085-E8A6-8845-BD4E-CB4CCA059FC4}" type="datetimeFigureOut">
               <a:rPr lang="en-US" smtClean="0"/>
-              <a:t>11/15/2024</a:t>
+              <a:t>11/22/2024</a:t>
             </a:fld>
             <a:endParaRPr lang="en-US"/>
           </a:p>
@@ -1771,7 +1772,7 @@
           <a:p>
             <a:fld id="{5BCAD085-E8A6-8845-BD4E-CB4CCA059FC4}" type="datetimeFigureOut">
               <a:rPr lang="en-US" smtClean="0"/>
-              <a:t>11/15/2024</a:t>
+              <a:t>11/22/2024</a:t>
             </a:fld>
             <a:endParaRPr lang="en-US"/>
           </a:p>
@@ -1888,7 +1889,7 @@
           <a:p>
             <a:fld id="{5BCAD085-E8A6-8845-BD4E-CB4CCA059FC4}" type="datetimeFigureOut">
               <a:rPr lang="en-US" smtClean="0"/>
-              <a:t>11/15/2024</a:t>
+              <a:t>11/22/2024</a:t>
             </a:fld>
             <a:endParaRPr lang="en-US"/>
           </a:p>
@@ -1983,7 +1984,7 @@
           <a:p>
             <a:fld id="{5BCAD085-E8A6-8845-BD4E-CB4CCA059FC4}" type="datetimeFigureOut">
               <a:rPr lang="en-US" smtClean="0"/>
-              <a:t>11/15/2024</a:t>
+              <a:t>11/22/2024</a:t>
             </a:fld>
             <a:endParaRPr lang="en-US"/>
           </a:p>
@@ -2258,7 +2259,7 @@
           <a:p>
             <a:fld id="{5BCAD085-E8A6-8845-BD4E-CB4CCA059FC4}" type="datetimeFigureOut">
               <a:rPr lang="en-US" smtClean="0"/>
-              <a:t>11/15/2024</a:t>
+              <a:t>11/22/2024</a:t>
             </a:fld>
             <a:endParaRPr lang="en-US"/>
           </a:p>
@@ -2510,7 +2511,7 @@
           <a:p>
             <a:fld id="{5BCAD085-E8A6-8845-BD4E-CB4CCA059FC4}" type="datetimeFigureOut">
               <a:rPr lang="en-US" smtClean="0"/>
-              <a:t>11/15/2024</a:t>
+              <a:t>11/22/2024</a:t>
             </a:fld>
             <a:endParaRPr lang="en-US"/>
           </a:p>
@@ -2721,7 +2722,7 @@
           <a:p>
             <a:fld id="{5BCAD085-E8A6-8845-BD4E-CB4CCA059FC4}" type="datetimeFigureOut">
               <a:rPr lang="en-US" smtClean="0"/>
-              <a:t>11/15/2024</a:t>
+              <a:t>11/22/2024</a:t>
             </a:fld>
             <a:endParaRPr lang="en-US"/>
           </a:p>
@@ -4013,6 +4014,100 @@
     <p:extLst>
       <p:ext uri="{BB962C8B-B14F-4D97-AF65-F5344CB8AC3E}">
         <p14:creationId xmlns:p14="http://schemas.microsoft.com/office/powerpoint/2010/main" val="940990237"/>
+      </p:ext>
+    </p:extLst>
+  </p:cSld>
+  <p:clrMapOvr>
+    <a:masterClrMapping/>
+  </p:clrMapOvr>
+</p:sld>
+</file>
+
+<file path=ppt/slides/slide8.xml><?xml version="1.0" encoding="utf-8"?>
+<p:sld xmlns:a="http://schemas.openxmlformats.org/drawingml/2006/main" xmlns:r="http://schemas.openxmlformats.org/officeDocument/2006/relationships" xmlns:p="http://schemas.openxmlformats.org/presentationml/2006/main">
+  <p:cSld>
+    <p:spTree>
+      <p:nvGrpSpPr>
+        <p:cNvPr id="1" name=""/>
+        <p:cNvGrpSpPr/>
+        <p:nvPr/>
+      </p:nvGrpSpPr>
+      <p:grpSpPr>
+        <a:xfrm>
+          <a:off x="0" y="0"/>
+          <a:ext cx="0" cy="0"/>
+          <a:chOff x="0" y="0"/>
+          <a:chExt cx="0" cy="0"/>
+        </a:xfrm>
+      </p:grpSpPr>
+      <p:sp>
+        <p:nvSpPr>
+          <p:cNvPr id="2" name="Cím 1">
+            <a:extLst>
+              <a:ext uri="{FF2B5EF4-FFF2-40B4-BE49-F238E27FC236}">
+                <a16:creationId xmlns:a16="http://schemas.microsoft.com/office/drawing/2014/main" id="{7D7E3F68-C42E-4233-9BAC-337537CBC3A4}"/>
+              </a:ext>
+            </a:extLst>
+          </p:cNvPr>
+          <p:cNvSpPr>
+            <a:spLocks noGrp="1"/>
+          </p:cNvSpPr>
+          <p:nvPr>
+            <p:ph type="title"/>
+          </p:nvPr>
+        </p:nvSpPr>
+        <p:spPr/>
+        <p:txBody>
+          <a:bodyPr/>
+          <a:lstStyle/>
+          <a:p>
+            <a:r>
+              <a:rPr lang="hu-HU" dirty="0"/>
+              <a:t>Login és Regisztrációs backend</a:t>
+            </a:r>
+            <a:endParaRPr lang="en-GB" dirty="0"/>
+          </a:p>
+        </p:txBody>
+      </p:sp>
+      <p:sp>
+        <p:nvSpPr>
+          <p:cNvPr id="3" name="Tartalom helye 2">
+            <a:extLst>
+              <a:ext uri="{FF2B5EF4-FFF2-40B4-BE49-F238E27FC236}">
+                <a16:creationId xmlns:a16="http://schemas.microsoft.com/office/drawing/2014/main" id="{0EE3AA8D-6DBD-4BA2-8B24-62074DB52760}"/>
+              </a:ext>
+            </a:extLst>
+          </p:cNvPr>
+          <p:cNvSpPr>
+            <a:spLocks noGrp="1"/>
+          </p:cNvSpPr>
+          <p:nvPr>
+            <p:ph idx="1"/>
+          </p:nvPr>
+        </p:nvSpPr>
+        <p:spPr/>
+        <p:txBody>
+          <a:bodyPr/>
+          <a:lstStyle/>
+          <a:p>
+            <a:r>
+              <a:rPr lang="hu-HU" dirty="0"/>
+              <a:t>Felelős: Molnár Zsolt</a:t>
+            </a:r>
+          </a:p>
+          <a:p>
+            <a:r>
+              <a:rPr lang="hu-HU" dirty="0"/>
+              <a:t>A projekt jelenlegi fázisában még nincsenek látható változások, ezek a negyedik mérföldkőben fognak megvalósulni</a:t>
+            </a:r>
+            <a:endParaRPr lang="en-GB" dirty="0"/>
+          </a:p>
+        </p:txBody>
+      </p:sp>
+    </p:spTree>
+    <p:extLst>
+      <p:ext uri="{BB962C8B-B14F-4D97-AF65-F5344CB8AC3E}">
+        <p14:creationId xmlns:p14="http://schemas.microsoft.com/office/powerpoint/2010/main" val="3167269929"/>
       </p:ext>
     </p:extLst>
   </p:cSld>
